--- a/material/15_CSharp_심화문법 (델리게이트).pptx
+++ b/material/15_CSharp_심화문법 (델리게이트).pptx
@@ -26,35 +26,35 @@
   <p:notesSz cx="6858000" cy="9144000"/>
   <p:embeddedFontLst>
     <p:embeddedFont>
+      <p:font typeface="Pretendard GOV" panose="020B0600000101010101" charset="-127"/>
+      <p:regular r:id="rId16"/>
+      <p:bold r:id="rId17"/>
+    </p:embeddedFont>
+    <p:embeddedFont>
+      <p:font typeface="Pretendard Black" panose="02000A03000000020004" pitchFamily="2" charset="-127"/>
+      <p:bold r:id="rId18"/>
+    </p:embeddedFont>
+    <p:embeddedFont>
+      <p:font typeface="Pretendard" panose="02000503000000020004" pitchFamily="2" charset="-127"/>
+      <p:regular r:id="rId19"/>
+      <p:bold r:id="rId20"/>
+    </p:embeddedFont>
+    <p:embeddedFont>
       <p:font typeface="Pretendard SemiBold" panose="02000703000000020004" pitchFamily="2" charset="-127"/>
-      <p:bold r:id="rId16"/>
+      <p:bold r:id="rId21"/>
     </p:embeddedFont>
     <p:embeddedFont>
       <p:font typeface="맑은 고딕" panose="020B0503020000020004" pitchFamily="50" charset="-127"/>
-      <p:regular r:id="rId17"/>
-      <p:bold r:id="rId18"/>
+      <p:regular r:id="rId22"/>
+      <p:bold r:id="rId23"/>
+    </p:embeddedFont>
+    <p:embeddedFont>
+      <p:font typeface="AppleSDGothicNeoH00" panose="020B0600000101010101" charset="-127"/>
+      <p:regular r:id="rId24"/>
     </p:embeddedFont>
     <p:embeddedFont>
       <p:font typeface="AppleSDGothicNeoB00" panose="020B0600000101010101" charset="-127"/>
-      <p:regular r:id="rId19"/>
-    </p:embeddedFont>
-    <p:embeddedFont>
-      <p:font typeface="AppleSDGothicNeoH00" panose="020B0600000101010101" charset="-127"/>
-      <p:regular r:id="rId20"/>
-    </p:embeddedFont>
-    <p:embeddedFont>
-      <p:font typeface="Pretendard" panose="02000503000000020004" pitchFamily="2" charset="-127"/>
-      <p:regular r:id="rId21"/>
-      <p:bold r:id="rId22"/>
-    </p:embeddedFont>
-    <p:embeddedFont>
-      <p:font typeface="Pretendard GOV" panose="020B0600000101010101" charset="-127"/>
-      <p:regular r:id="rId23"/>
-      <p:bold r:id="rId24"/>
-    </p:embeddedFont>
-    <p:embeddedFont>
-      <p:font typeface="Pretendard Black" panose="02000A03000000020004" pitchFamily="2" charset="-127"/>
-      <p:bold r:id="rId25"/>
+      <p:regular r:id="rId25"/>
     </p:embeddedFont>
   </p:embeddedFontLst>
   <p:defaultTextStyle>
@@ -245,7 +245,7 @@
           <a:p>
             <a:fld id="{2EF3F159-7250-4DD4-91C2-13B35D56E1AF}" type="datetimeFigureOut">
               <a:rPr lang="ko-KR" altLang="en-US" smtClean="0"/>
-              <a:t>2025-05-16</a:t>
+              <a:t>2025-06-08</a:t>
             </a:fld>
             <a:endParaRPr lang="ko-KR" altLang="en-US"/>
           </a:p>
@@ -727,205 +727,6 @@
           <a:bodyPr/>
           <a:lstStyle/>
           <a:p>
-            <a:r>
-              <a:rPr lang="ko-KR" altLang="en-US" dirty="0" smtClean="0"/>
-              <a:t>버튼 클릭</a:t>
-            </a:r>
-            <a:r>
-              <a:rPr lang="en-US" altLang="ko-KR" dirty="0" smtClean="0"/>
-              <a:t>, </a:t>
-            </a:r>
-            <a:r>
-              <a:rPr lang="ko-KR" altLang="en-US" dirty="0" smtClean="0"/>
-              <a:t>마우스 오버 발생하면 </a:t>
-            </a:r>
-            <a:r>
-              <a:rPr lang="en-US" altLang="ko-KR" dirty="0" smtClean="0"/>
-              <a:t>-&gt; </a:t>
-            </a:r>
-            <a:r>
-              <a:rPr lang="ko-KR" altLang="en-US" dirty="0" smtClean="0"/>
-              <a:t>등록된 메서드들이 실행됨</a:t>
-            </a:r>
-            <a:r>
-              <a:rPr lang="en-US" altLang="ko-KR" dirty="0" smtClean="0"/>
-              <a:t>.</a:t>
-            </a:r>
-          </a:p>
-          <a:p>
-            <a:r>
-              <a:rPr lang="en-US" altLang="ko-KR" b="1" dirty="0" smtClean="0"/>
-              <a:t>Event Subscriber</a:t>
-            </a:r>
-            <a:r>
-              <a:rPr lang="ko-KR" altLang="en-US" b="1" dirty="0" smtClean="0"/>
-              <a:t>란</a:t>
-            </a:r>
-            <a:r>
-              <a:rPr lang="en-US" altLang="ko-KR" b="1" dirty="0" smtClean="0"/>
-              <a:t>?</a:t>
-            </a:r>
-          </a:p>
-          <a:p>
-            <a:r>
-              <a:rPr lang="ko-KR" altLang="en-US" dirty="0" smtClean="0"/>
-              <a:t>이벤트가 발생했을 때 호출되는 함수들</a:t>
-            </a:r>
-          </a:p>
-          <a:p>
-            <a:r>
-              <a:rPr lang="ko-KR" altLang="en-US" b="1" dirty="0" smtClean="0"/>
-              <a:t>즉</a:t>
-            </a:r>
-            <a:r>
-              <a:rPr lang="en-US" altLang="ko-KR" b="1" dirty="0" smtClean="0"/>
-              <a:t>, </a:t>
-            </a:r>
-            <a:r>
-              <a:rPr lang="ko-KR" altLang="en-US" b="1" dirty="0" smtClean="0"/>
-              <a:t>이벤트에 연결</a:t>
-            </a:r>
-            <a:r>
-              <a:rPr lang="en-US" altLang="ko-KR" b="1" dirty="0" smtClean="0"/>
-              <a:t>(+=)</a:t>
-            </a:r>
-            <a:r>
-              <a:rPr lang="ko-KR" altLang="en-US" b="1" dirty="0" smtClean="0"/>
-              <a:t>된 메서드들</a:t>
-            </a:r>
-            <a:endParaRPr lang="en-US" altLang="ko-KR" b="1" dirty="0" smtClean="0"/>
-          </a:p>
-          <a:p>
-            <a:endParaRPr lang="en-US" altLang="ko-KR" b="1" dirty="0" smtClean="0"/>
-          </a:p>
-          <a:p>
-            <a:r>
-              <a:rPr lang="ko-KR" altLang="en-US" dirty="0" smtClean="0"/>
-              <a:t>이벤트는 내부적으로 </a:t>
-            </a:r>
-            <a:r>
-              <a:rPr lang="en-US" altLang="ko-KR" b="1" dirty="0" smtClean="0"/>
-              <a:t>delegate </a:t>
-            </a:r>
-            <a:r>
-              <a:rPr lang="ko-KR" altLang="en-US" b="1" dirty="0" smtClean="0"/>
-              <a:t>기반으로 구현</a:t>
-            </a:r>
-            <a:r>
-              <a:rPr lang="ko-KR" altLang="en-US" dirty="0" smtClean="0"/>
-              <a:t>됩니다</a:t>
-            </a:r>
-            <a:br>
-              <a:rPr lang="ko-KR" altLang="en-US" dirty="0" smtClean="0"/>
-            </a:br>
-            <a:r>
-              <a:rPr lang="ko-KR" altLang="en-US" dirty="0" smtClean="0"/>
-              <a:t>즉</a:t>
-            </a:r>
-            <a:r>
-              <a:rPr lang="en-US" altLang="ko-KR" dirty="0" smtClean="0"/>
-              <a:t>, event</a:t>
-            </a:r>
-            <a:r>
-              <a:rPr lang="ko-KR" altLang="en-US" dirty="0" smtClean="0"/>
-              <a:t>는 사실상 </a:t>
-            </a:r>
-            <a:r>
-              <a:rPr lang="ko-KR" altLang="en-US" b="1" dirty="0" smtClean="0"/>
-              <a:t>델리게이트의 확장 개념</a:t>
-            </a:r>
-            <a:r>
-              <a:rPr lang="ko-KR" altLang="en-US" dirty="0" smtClean="0"/>
-              <a:t>입니다</a:t>
-            </a:r>
-            <a:endParaRPr lang="en-US" altLang="ko-KR" dirty="0" smtClean="0"/>
-          </a:p>
-          <a:p>
-            <a:r>
-              <a:rPr lang="ko-KR" altLang="en-US" dirty="0" smtClean="0"/>
-              <a:t>→ 단</a:t>
-            </a:r>
-            <a:r>
-              <a:rPr lang="en-US" altLang="ko-KR" dirty="0" smtClean="0"/>
-              <a:t>, </a:t>
-            </a:r>
-            <a:r>
-              <a:rPr lang="ko-KR" altLang="en-US" dirty="0" smtClean="0"/>
-              <a:t>외부에서 직접 실행할 수 없고</a:t>
-            </a:r>
-            <a:r>
-              <a:rPr lang="en-US" altLang="ko-KR" dirty="0" smtClean="0"/>
-              <a:t>, +=/-=</a:t>
-            </a:r>
-            <a:r>
-              <a:rPr lang="ko-KR" altLang="en-US" dirty="0" smtClean="0"/>
-              <a:t>만 허용됨</a:t>
-            </a:r>
-            <a:endParaRPr lang="en-US" altLang="ko-KR" dirty="0" smtClean="0"/>
-          </a:p>
-          <a:p>
-            <a:endParaRPr lang="en-US" altLang="ko-KR" dirty="0" smtClean="0"/>
-          </a:p>
-          <a:p>
-            <a:r>
-              <a:rPr lang="en-US" altLang="ko-KR" dirty="0" err="1" smtClean="0"/>
-              <a:t>EventHandler</a:t>
-            </a:r>
-            <a:endParaRPr lang="en-US" altLang="ko-KR" dirty="0" smtClean="0"/>
-          </a:p>
-          <a:p>
-            <a:r>
-              <a:rPr lang="ko-KR" altLang="en-US" dirty="0" smtClean="0"/>
-              <a:t>이벤트를 위한 표준 </a:t>
-            </a:r>
-            <a:r>
-              <a:rPr lang="en-US" altLang="ko-KR" dirty="0" smtClean="0"/>
-              <a:t>delegate </a:t>
-            </a:r>
-            <a:r>
-              <a:rPr lang="ko-KR" altLang="en-US" dirty="0" smtClean="0"/>
-              <a:t>형식</a:t>
-            </a:r>
-            <a:endParaRPr lang="en-US" altLang="ko-KR" dirty="0" smtClean="0"/>
-          </a:p>
-          <a:p>
-            <a:endParaRPr lang="en-US" altLang="ko-KR" dirty="0" smtClean="0"/>
-          </a:p>
-          <a:p>
-            <a:r>
-              <a:rPr lang="ko-KR" altLang="en-US" b="1" dirty="0" smtClean="0"/>
-              <a:t>주로 클래스 내부 선언</a:t>
-            </a:r>
-            <a:r>
-              <a:rPr lang="en-US" altLang="ko-KR" b="1" dirty="0" smtClean="0"/>
-              <a:t>: </a:t>
-            </a:r>
-            <a:r>
-              <a:rPr lang="ko-KR" altLang="en-US" dirty="0" smtClean="0"/>
-              <a:t>외부 호출을 막고 안전하게 사용</a:t>
-            </a:r>
-            <a:endParaRPr lang="en-US" altLang="ko-KR" dirty="0" smtClean="0"/>
-          </a:p>
-          <a:p>
-            <a:endParaRPr lang="en-US" altLang="ko-KR" dirty="0" smtClean="0"/>
-          </a:p>
-          <a:p>
-            <a:r>
-              <a:rPr lang="ko-KR" altLang="en-US" dirty="0" smtClean="0"/>
-              <a:t>이벤트 </a:t>
-            </a:r>
-            <a:r>
-              <a:rPr lang="en-US" altLang="ko-KR" dirty="0" smtClean="0"/>
-              <a:t>= </a:t>
-            </a:r>
-            <a:r>
-              <a:rPr lang="ko-KR" altLang="en-US" dirty="0" smtClean="0"/>
-              <a:t>안전하게 감싼 </a:t>
-            </a:r>
-            <a:r>
-              <a:rPr lang="ko-KR" altLang="en-US" dirty="0" err="1" smtClean="0"/>
-              <a:t>델리게이트</a:t>
-            </a:r>
             <a:endParaRPr lang="ko-KR" altLang="en-US" dirty="0"/>
           </a:p>
         </p:txBody>
@@ -1010,340 +811,6 @@
           <a:bodyPr/>
           <a:lstStyle/>
           <a:p>
-            <a:r>
-              <a:rPr lang="en-US" altLang="ko-KR" dirty="0" err="1" smtClean="0"/>
-              <a:t>MyButton</a:t>
-            </a:r>
-            <a:r>
-              <a:rPr lang="en-US" altLang="ko-KR" dirty="0" smtClean="0"/>
-              <a:t> </a:t>
-            </a:r>
-            <a:r>
-              <a:rPr lang="ko-KR" altLang="en-US" dirty="0" smtClean="0"/>
-              <a:t>클래스 </a:t>
-            </a:r>
-            <a:r>
-              <a:rPr lang="en-US" altLang="ko-KR" dirty="0" smtClean="0"/>
-              <a:t>: </a:t>
-            </a:r>
-            <a:r>
-              <a:rPr lang="ko-KR" altLang="en-US" dirty="0" smtClean="0"/>
-              <a:t>이벤트를 정의하고</a:t>
-            </a:r>
-            <a:r>
-              <a:rPr lang="en-US" altLang="ko-KR" dirty="0" smtClean="0"/>
-              <a:t>, </a:t>
-            </a:r>
-            <a:r>
-              <a:rPr lang="ko-KR" altLang="en-US" dirty="0" smtClean="0"/>
-              <a:t>발생시키는 역할</a:t>
-            </a:r>
-            <a:endParaRPr lang="en-US" altLang="ko-KR" dirty="0" smtClean="0"/>
-          </a:p>
-          <a:p>
-            <a:r>
-              <a:rPr lang="en-US" altLang="ko-KR" dirty="0" err="1" smtClean="0"/>
-              <a:t>FormEvent</a:t>
-            </a:r>
-            <a:r>
-              <a:rPr lang="en-US" altLang="ko-KR" dirty="0" smtClean="0"/>
-              <a:t> </a:t>
-            </a:r>
-            <a:r>
-              <a:rPr lang="ko-KR" altLang="en-US" dirty="0" smtClean="0"/>
-              <a:t>클래스</a:t>
-            </a:r>
-            <a:r>
-              <a:rPr lang="en-US" altLang="ko-KR" dirty="0" smtClean="0"/>
-              <a:t>: </a:t>
-            </a:r>
-            <a:r>
-              <a:rPr lang="ko-KR" altLang="en-US" dirty="0" smtClean="0"/>
-              <a:t>이벤트를 구독</a:t>
-            </a:r>
-            <a:r>
-              <a:rPr lang="en-US" altLang="ko-KR" dirty="0" smtClean="0"/>
-              <a:t>(</a:t>
-            </a:r>
-            <a:r>
-              <a:rPr lang="ko-KR" altLang="en-US" dirty="0" smtClean="0"/>
-              <a:t>등록</a:t>
-            </a:r>
-            <a:r>
-              <a:rPr lang="en-US" altLang="ko-KR" dirty="0" smtClean="0"/>
-              <a:t>)</a:t>
-            </a:r>
-            <a:r>
-              <a:rPr lang="ko-KR" altLang="en-US" dirty="0" smtClean="0"/>
-              <a:t>하고 실행 결과를 확인</a:t>
-            </a:r>
-            <a:endParaRPr lang="en-US" altLang="ko-KR" dirty="0" smtClean="0"/>
-          </a:p>
-          <a:p>
-            <a:endParaRPr lang="en-US" altLang="ko-KR" dirty="0" smtClean="0"/>
-          </a:p>
-          <a:p>
-            <a:r>
-              <a:rPr lang="en-US" altLang="ko-KR" dirty="0" smtClean="0"/>
-              <a:t>public event </a:t>
-            </a:r>
-            <a:r>
-              <a:rPr lang="en-US" altLang="ko-KR" dirty="0" err="1" smtClean="0"/>
-              <a:t>EventHandler</a:t>
-            </a:r>
-            <a:r>
-              <a:rPr lang="en-US" altLang="ko-KR" dirty="0" smtClean="0"/>
-              <a:t> Click;</a:t>
-            </a:r>
-            <a:r>
-              <a:rPr lang="ko-KR" altLang="en-US" dirty="0" smtClean="0"/>
-              <a:t>이벤트 선언 </a:t>
-            </a:r>
-            <a:r>
-              <a:rPr lang="en-US" altLang="ko-KR" dirty="0" smtClean="0"/>
-              <a:t>(</a:t>
-            </a:r>
-            <a:r>
-              <a:rPr lang="ko-KR" altLang="en-US" dirty="0" err="1" smtClean="0"/>
-              <a:t>델리게이트</a:t>
-            </a:r>
-            <a:r>
-              <a:rPr lang="ko-KR" altLang="en-US" dirty="0" smtClean="0"/>
-              <a:t> 기반</a:t>
-            </a:r>
-            <a:r>
-              <a:rPr lang="en-US" altLang="ko-KR" dirty="0" smtClean="0"/>
-              <a:t>)</a:t>
-            </a:r>
-          </a:p>
-          <a:p>
-            <a:r>
-              <a:rPr lang="en-US" altLang="ko-KR" dirty="0" err="1" smtClean="0"/>
-              <a:t>this.Click</a:t>
-            </a:r>
-            <a:r>
-              <a:rPr lang="en-US" altLang="ko-KR" dirty="0" smtClean="0"/>
-              <a:t>(this, </a:t>
-            </a:r>
-            <a:r>
-              <a:rPr lang="en-US" altLang="ko-KR" dirty="0" err="1" smtClean="0"/>
-              <a:t>EventArgs.Empty</a:t>
-            </a:r>
-            <a:r>
-              <a:rPr lang="en-US" altLang="ko-KR" dirty="0" smtClean="0"/>
-              <a:t>);</a:t>
-            </a:r>
-            <a:r>
-              <a:rPr lang="ko-KR" altLang="en-US" dirty="0" smtClean="0"/>
-              <a:t>이벤트 발생시킴 → 등록된 메서드들이 실행됨</a:t>
-            </a:r>
-            <a:endParaRPr lang="en-US" altLang="ko-KR" dirty="0" smtClean="0"/>
-          </a:p>
-          <a:p>
-            <a:endParaRPr lang="en-US" altLang="ko-KR" dirty="0" smtClean="0"/>
-          </a:p>
-          <a:p>
-            <a:r>
-              <a:rPr lang="ko-KR" altLang="en-US" b="1" dirty="0" smtClean="0"/>
-              <a:t>그럼 </a:t>
-            </a:r>
-            <a:r>
-              <a:rPr lang="en-US" altLang="ko-KR" b="1" dirty="0" err="1" smtClean="0"/>
-              <a:t>EventHandler</a:t>
-            </a:r>
-            <a:r>
-              <a:rPr lang="ko-KR" altLang="en-US" b="1" dirty="0" smtClean="0"/>
-              <a:t>가 뭐냐</a:t>
-            </a:r>
-            <a:r>
-              <a:rPr lang="en-US" altLang="ko-KR" b="1" dirty="0" smtClean="0"/>
-              <a:t>?</a:t>
-            </a:r>
-          </a:p>
-          <a:p>
-            <a:r>
-              <a:rPr lang="en-US" altLang="ko-KR" dirty="0" smtClean="0"/>
-              <a:t>.NET</a:t>
-            </a:r>
-            <a:r>
-              <a:rPr lang="ko-KR" altLang="en-US" dirty="0" smtClean="0"/>
-              <a:t>에서 미리 정의된 </a:t>
-            </a:r>
-            <a:r>
-              <a:rPr lang="ko-KR" altLang="en-US" b="1" dirty="0" err="1" smtClean="0"/>
-              <a:t>델리게이트</a:t>
-            </a:r>
-            <a:r>
-              <a:rPr lang="ko-KR" altLang="en-US" b="1" dirty="0" smtClean="0"/>
-              <a:t> 타입</a:t>
-            </a:r>
-            <a:r>
-              <a:rPr lang="ko-KR" altLang="en-US" dirty="0" smtClean="0"/>
-              <a:t>입니다</a:t>
-            </a:r>
-            <a:r>
-              <a:rPr lang="en-US" altLang="ko-KR" dirty="0" smtClean="0"/>
-              <a:t>:</a:t>
-            </a:r>
-          </a:p>
-          <a:p>
-            <a:endParaRPr lang="en-US" altLang="ko-KR" dirty="0" smtClean="0"/>
-          </a:p>
-          <a:p>
-            <a:r>
-              <a:rPr lang="en-US" altLang="ko-KR" dirty="0" smtClean="0"/>
-              <a:t>object sender: </a:t>
-            </a:r>
-            <a:r>
-              <a:rPr lang="ko-KR" altLang="en-US" dirty="0" smtClean="0"/>
-              <a:t>이벤트를 발생시킨 객체 </a:t>
-            </a:r>
-            <a:r>
-              <a:rPr lang="en-US" altLang="ko-KR" dirty="0" smtClean="0"/>
-              <a:t>(ex. button1)</a:t>
-            </a:r>
-          </a:p>
-          <a:p>
-            <a:r>
-              <a:rPr lang="en-US" altLang="ko-KR" dirty="0" err="1" smtClean="0"/>
-              <a:t>EventArgs</a:t>
-            </a:r>
-            <a:r>
-              <a:rPr lang="en-US" altLang="ko-KR" dirty="0" smtClean="0"/>
-              <a:t> e: </a:t>
-            </a:r>
-            <a:r>
-              <a:rPr lang="ko-KR" altLang="en-US" dirty="0" smtClean="0"/>
-              <a:t>이벤트에 대한 정보 </a:t>
-            </a:r>
-            <a:r>
-              <a:rPr lang="en-US" altLang="ko-KR" dirty="0" smtClean="0"/>
-              <a:t>(</a:t>
-            </a:r>
-            <a:r>
-              <a:rPr lang="ko-KR" altLang="en-US" dirty="0" smtClean="0"/>
-              <a:t>기본형</a:t>
-            </a:r>
-            <a:r>
-              <a:rPr lang="en-US" altLang="ko-KR" dirty="0" smtClean="0"/>
-              <a:t>: </a:t>
-            </a:r>
-            <a:r>
-              <a:rPr lang="en-US" altLang="ko-KR" dirty="0" err="1" smtClean="0"/>
-              <a:t>EventArgs.Empty</a:t>
-            </a:r>
-            <a:r>
-              <a:rPr lang="en-US" altLang="ko-KR" dirty="0" smtClean="0"/>
-              <a:t>)</a:t>
-            </a:r>
-          </a:p>
-          <a:p>
-            <a:endParaRPr lang="en-US" altLang="ko-KR" dirty="0" smtClean="0"/>
-          </a:p>
-          <a:p>
-            <a:r>
-              <a:rPr lang="en-US" altLang="ko-KR" dirty="0" smtClean="0"/>
-              <a:t>&lt;</a:t>
-            </a:r>
-            <a:r>
-              <a:rPr lang="ko-KR" altLang="en-US" dirty="0" smtClean="0"/>
-              <a:t>오른쪽</a:t>
-            </a:r>
-            <a:r>
-              <a:rPr lang="en-US" altLang="ko-KR" dirty="0" smtClean="0"/>
-              <a:t>&gt;</a:t>
-            </a:r>
-          </a:p>
-          <a:p>
-            <a:r>
-              <a:rPr lang="en-US" altLang="ko-KR" dirty="0" err="1" smtClean="0"/>
-              <a:t>button.Click</a:t>
-            </a:r>
-            <a:r>
-              <a:rPr lang="en-US" altLang="ko-KR" dirty="0" smtClean="0"/>
-              <a:t> += ...</a:t>
-            </a:r>
-            <a:r>
-              <a:rPr lang="ko-KR" altLang="en-US" dirty="0" smtClean="0"/>
-              <a:t>이벤트에 </a:t>
-            </a:r>
-            <a:r>
-              <a:rPr lang="ko-KR" altLang="en-US" dirty="0" err="1" smtClean="0"/>
-              <a:t>핸들러</a:t>
-            </a:r>
-            <a:r>
-              <a:rPr lang="ko-KR" altLang="en-US" dirty="0" smtClean="0"/>
-              <a:t> 메서드를 등록</a:t>
-            </a:r>
-            <a:endParaRPr lang="en-US" altLang="ko-KR" dirty="0" smtClean="0"/>
-          </a:p>
-          <a:p>
-            <a:r>
-              <a:rPr lang="en-US" altLang="ko-KR" dirty="0" err="1" smtClean="0"/>
-              <a:t>MouseButtonDown</a:t>
-            </a:r>
-            <a:r>
-              <a:rPr lang="en-US" altLang="ko-KR" dirty="0" smtClean="0"/>
-              <a:t>(): </a:t>
-            </a:r>
-            <a:r>
-              <a:rPr lang="ko-KR" altLang="en-US" dirty="0" smtClean="0"/>
-              <a:t>내부에서 </a:t>
-            </a:r>
-            <a:r>
-              <a:rPr lang="en-US" altLang="ko-KR" dirty="0" smtClean="0"/>
-              <a:t>Click </a:t>
-            </a:r>
-            <a:r>
-              <a:rPr lang="ko-KR" altLang="en-US" dirty="0" smtClean="0"/>
-              <a:t>이벤트를 호출함</a:t>
-            </a:r>
-            <a:endParaRPr lang="en-US" altLang="ko-KR" dirty="0" smtClean="0"/>
-          </a:p>
-          <a:p>
-            <a:endParaRPr lang="en-US" altLang="ko-KR" dirty="0" smtClean="0"/>
-          </a:p>
-          <a:p>
-            <a:r>
-              <a:rPr lang="ko-KR" altLang="en-US" dirty="0" smtClean="0"/>
-              <a:t>이벤트에 등록되는 함수는 반드시 </a:t>
-            </a:r>
-            <a:r>
-              <a:rPr lang="en-US" altLang="ko-KR" b="1" dirty="0" smtClean="0"/>
-              <a:t>object sender, </a:t>
-            </a:r>
-            <a:r>
-              <a:rPr lang="en-US" altLang="ko-KR" b="1" dirty="0" err="1" smtClean="0"/>
-              <a:t>EventArgs</a:t>
-            </a:r>
-            <a:r>
-              <a:rPr lang="en-US" altLang="ko-KR" b="1" dirty="0" smtClean="0"/>
-              <a:t> e</a:t>
-            </a:r>
-            <a:r>
-              <a:rPr lang="ko-KR" altLang="en-US" dirty="0" smtClean="0"/>
-              <a:t> 형식을 따라야 함 </a:t>
-            </a:r>
-            <a:r>
-              <a:rPr lang="en-US" altLang="ko-KR" dirty="0" smtClean="0"/>
-              <a:t>(</a:t>
-            </a:r>
-            <a:r>
-              <a:rPr lang="en-US" altLang="ko-KR" dirty="0" err="1" smtClean="0"/>
-              <a:t>EventHandler</a:t>
-            </a:r>
-            <a:r>
-              <a:rPr lang="en-US" altLang="ko-KR" dirty="0" smtClean="0"/>
-              <a:t> </a:t>
-            </a:r>
-            <a:r>
-              <a:rPr lang="ko-KR" altLang="en-US" dirty="0" smtClean="0"/>
-              <a:t>규칙</a:t>
-            </a:r>
-            <a:r>
-              <a:rPr lang="en-US" altLang="ko-KR" dirty="0" smtClean="0"/>
-              <a:t>)</a:t>
-            </a:r>
             <a:endParaRPr lang="ko-KR" altLang="en-US" dirty="0"/>
           </a:p>
         </p:txBody>
@@ -1428,61 +895,6 @@
           <a:bodyPr/>
           <a:lstStyle/>
           <a:p>
-            <a:r>
-              <a:rPr lang="en-US" altLang="ko-KR" sz="1200" kern="1200" dirty="0" smtClean="0">
-                <a:solidFill>
-                  <a:schemeClr val="tx1"/>
-                </a:solidFill>
-                <a:latin typeface="+mn-lt"/>
-                <a:ea typeface="+mn-ea"/>
-                <a:cs typeface="+mn-cs"/>
-              </a:rPr>
-              <a:t>Invoke()</a:t>
-            </a:r>
-            <a:r>
-              <a:rPr lang="ko-KR" altLang="en-US" sz="1200" kern="1200" dirty="0" smtClean="0">
-                <a:solidFill>
-                  <a:schemeClr val="tx1"/>
-                </a:solidFill>
-                <a:latin typeface="+mn-lt"/>
-                <a:ea typeface="+mn-ea"/>
-                <a:cs typeface="+mn-cs"/>
-              </a:rPr>
-              <a:t>는 </a:t>
-            </a:r>
-            <a:r>
-              <a:rPr lang="ko-KR" altLang="en-US" sz="1200" kern="1200" dirty="0" err="1" smtClean="0">
-                <a:solidFill>
-                  <a:schemeClr val="tx1"/>
-                </a:solidFill>
-                <a:latin typeface="+mn-lt"/>
-                <a:ea typeface="+mn-ea"/>
-                <a:cs typeface="+mn-cs"/>
-              </a:rPr>
-              <a:t>델리게이트</a:t>
-            </a:r>
-            <a:r>
-              <a:rPr lang="en-US" altLang="ko-KR" sz="1200" kern="1200" dirty="0" smtClean="0">
-                <a:solidFill>
-                  <a:schemeClr val="tx1"/>
-                </a:solidFill>
-                <a:latin typeface="+mn-lt"/>
-                <a:ea typeface="+mn-ea"/>
-                <a:cs typeface="+mn-cs"/>
-              </a:rPr>
-              <a:t>(delegate)</a:t>
-            </a:r>
-            <a:r>
-              <a:rPr lang="ko-KR" altLang="en-US" sz="1200" kern="1200" dirty="0" smtClean="0">
-                <a:solidFill>
-                  <a:schemeClr val="tx1"/>
-                </a:solidFill>
-                <a:latin typeface="+mn-lt"/>
-                <a:ea typeface="+mn-ea"/>
-                <a:cs typeface="+mn-cs"/>
-              </a:rPr>
-              <a:t>가 참조하고 있는 메서드를 실행시키는 함수</a:t>
-            </a:r>
             <a:endParaRPr lang="ko-KR" altLang="en-US" dirty="0"/>
           </a:p>
         </p:txBody>
@@ -1567,29 +979,6 @@
           <a:bodyPr/>
           <a:lstStyle/>
           <a:p>
-            <a:r>
-              <a:rPr lang="ko-KR" altLang="en-US" dirty="0" err="1" smtClean="0"/>
-              <a:t>변수명이</a:t>
-            </a:r>
-            <a:r>
-              <a:rPr lang="ko-KR" altLang="en-US" dirty="0" smtClean="0"/>
-              <a:t> 변수 주소를 참조해서 변수 값을 출력 하듯이</a:t>
-            </a:r>
-            <a:endParaRPr lang="en-US" altLang="ko-KR" dirty="0" smtClean="0"/>
-          </a:p>
-          <a:p>
-            <a:r>
-              <a:rPr lang="ko-KR" altLang="en-US" dirty="0" smtClean="0"/>
-              <a:t>델리게이트도 마찬가지 메서드</a:t>
-            </a:r>
-            <a:r>
-              <a:rPr lang="ko-KR" altLang="en-US" baseline="0" dirty="0" smtClean="0"/>
-              <a:t> 주소를 참조해서 메서드를 실행시키는 것</a:t>
-            </a:r>
-            <a:r>
-              <a:rPr lang="en-US" altLang="ko-KR" baseline="0" dirty="0" smtClean="0"/>
-              <a:t>!</a:t>
-            </a:r>
             <a:endParaRPr lang="ko-KR" altLang="en-US" dirty="0"/>
           </a:p>
         </p:txBody>
@@ -1674,18 +1063,6 @@
           <a:bodyPr/>
           <a:lstStyle/>
           <a:p>
-            <a:r>
-              <a:rPr lang="ko-KR" altLang="en-US" dirty="0" smtClean="0"/>
-              <a:t>이것 또한 제거하는게 </a:t>
-            </a:r>
-            <a:r>
-              <a:rPr lang="ko-KR" altLang="en-US" dirty="0" err="1" smtClean="0"/>
-              <a:t>좋아보임</a:t>
-            </a:r>
-            <a:r>
-              <a:rPr lang="en-US" altLang="ko-KR" dirty="0" smtClean="0"/>
-              <a:t>.</a:t>
-            </a:r>
             <a:endParaRPr lang="ko-KR" altLang="en-US" dirty="0"/>
           </a:p>
         </p:txBody>
@@ -1896,18 +1273,6 @@
           <a:bodyPr/>
           <a:lstStyle/>
           <a:p>
-            <a:r>
-              <a:rPr lang="ko-KR" altLang="en-US" dirty="0" smtClean="0"/>
-              <a:t>이건 멀티 스레드 부분에 추가 하는게 </a:t>
-            </a:r>
-            <a:r>
-              <a:rPr lang="ko-KR" altLang="en-US" dirty="0" err="1" smtClean="0"/>
-              <a:t>좋아보임</a:t>
-            </a:r>
-            <a:r>
-              <a:rPr lang="en-US" altLang="ko-KR" dirty="0" smtClean="0"/>
-              <a:t>.</a:t>
-            </a:r>
             <a:endParaRPr lang="ko-KR" altLang="en-US" dirty="0"/>
           </a:p>
         </p:txBody>
@@ -2431,7 +1796,7 @@
           <a:p>
             <a:fld id="{442BEE3F-2E9A-4FD8-8B8A-8619F3E161C0}" type="datetime1">
               <a:rPr lang="ko-KR" altLang="en-US" smtClean="0"/>
-              <a:t>2025-05-16</a:t>
+              <a:t>2025-06-08</a:t>
             </a:fld>
             <a:endParaRPr lang="ko-KR" altLang="en-US"/>
           </a:p>
@@ -2617,7 +1982,7 @@
           <a:p>
             <a:fld id="{2EAE422B-0E68-47B5-84BB-CA2BDA8EE46C}" type="datetime1">
               <a:rPr lang="ko-KR" altLang="en-US" smtClean="0"/>
-              <a:t>2025-05-16</a:t>
+              <a:t>2025-06-08</a:t>
             </a:fld>
             <a:endParaRPr lang="ko-KR" altLang="en-US"/>
           </a:p>
@@ -2825,7 +2190,7 @@
           <a:p>
             <a:fld id="{AF7C623F-179B-417F-99B6-50F6DF228D4B}" type="datetime1">
               <a:rPr lang="ko-KR" altLang="en-US" smtClean="0"/>
-              <a:t>2025-05-16</a:t>
+              <a:t>2025-06-08</a:t>
             </a:fld>
             <a:endParaRPr lang="ko-KR" altLang="en-US"/>
           </a:p>
@@ -3067,7 +2432,7 @@
           <a:p>
             <a:fld id="{0F78D9C4-20C1-4B15-A116-16DC77AD9A1E}" type="datetime1">
               <a:rPr lang="ko-KR" altLang="en-US" smtClean="0"/>
-              <a:t>2025-05-16</a:t>
+              <a:t>2025-06-08</a:t>
             </a:fld>
             <a:endParaRPr lang="ko-KR" altLang="en-US"/>
           </a:p>
@@ -3342,7 +2707,7 @@
           <a:p>
             <a:fld id="{C7F43723-C509-4DEA-8428-B50818F79709}" type="datetime1">
               <a:rPr lang="ko-KR" altLang="en-US" smtClean="0"/>
-              <a:t>2025-05-16</a:t>
+              <a:t>2025-06-08</a:t>
             </a:fld>
             <a:endParaRPr lang="ko-KR" altLang="en-US"/>
           </a:p>
@@ -3607,7 +2972,7 @@
           <a:p>
             <a:fld id="{5D2B7482-EE74-4DBD-97F4-D0DAC0C0E4E5}" type="datetime1">
               <a:rPr lang="ko-KR" altLang="en-US" smtClean="0"/>
-              <a:t>2025-05-16</a:t>
+              <a:t>2025-06-08</a:t>
             </a:fld>
             <a:endParaRPr lang="ko-KR" altLang="en-US"/>
           </a:p>
@@ -4020,7 +3385,7 @@
           <a:p>
             <a:fld id="{051A8C49-CED7-4A86-9B4A-621D7F62EE92}" type="datetime1">
               <a:rPr lang="ko-KR" altLang="en-US" smtClean="0"/>
-              <a:t>2025-05-16</a:t>
+              <a:t>2025-06-08</a:t>
             </a:fld>
             <a:endParaRPr lang="ko-KR" altLang="en-US"/>
           </a:p>
@@ -4167,7 +3532,7 @@
           <a:p>
             <a:fld id="{84082D76-7079-412D-848B-E1B9E7A6A286}" type="datetime1">
               <a:rPr lang="ko-KR" altLang="en-US" smtClean="0"/>
-              <a:t>2025-05-16</a:t>
+              <a:t>2025-06-08</a:t>
             </a:fld>
             <a:endParaRPr lang="ko-KR" altLang="en-US"/>
           </a:p>
@@ -4280,7 +3645,7 @@
           <a:p>
             <a:fld id="{10C5FEB5-5F88-4F49-9108-1795E314F09F}" type="datetime1">
               <a:rPr lang="ko-KR" altLang="en-US" smtClean="0"/>
-              <a:t>2025-05-16</a:t>
+              <a:t>2025-06-08</a:t>
             </a:fld>
             <a:endParaRPr lang="ko-KR" altLang="en-US"/>
           </a:p>
@@ -4591,7 +3956,7 @@
           <a:p>
             <a:fld id="{E37ABBEE-D8D4-48AD-9887-4DC578B8A684}" type="datetime1">
               <a:rPr lang="ko-KR" altLang="en-US" smtClean="0"/>
-              <a:t>2025-05-16</a:t>
+              <a:t>2025-06-08</a:t>
             </a:fld>
             <a:endParaRPr lang="ko-KR" altLang="en-US"/>
           </a:p>
@@ -4882,7 +4247,7 @@
           <a:p>
             <a:fld id="{A2D6A55C-F3DD-45DD-9D50-F8680410167D}" type="datetime1">
               <a:rPr lang="ko-KR" altLang="en-US" smtClean="0"/>
-              <a:t>2025-05-16</a:t>
+              <a:t>2025-06-08</a:t>
             </a:fld>
             <a:endParaRPr lang="ko-KR" altLang="en-US"/>
           </a:p>
@@ -5126,7 +4491,7 @@
             <a:fld id="{7F5E23C3-0E3D-4E4E-8486-D7FB4C073DC1}" type="datetime1">
               <a:rPr lang="ko-KR" altLang="en-US" smtClean="0"/>
               <a:pPr/>
-              <a:t>2025-05-16</a:t>
+              <a:t>2025-06-08</a:t>
             </a:fld>
             <a:endParaRPr lang="ko-KR" altLang="en-US" dirty="0"/>
           </a:p>
@@ -5649,7 +5014,7 @@
           <a:p>
             <a:fld id="{2E2BEDFA-D8AA-4914-9440-7DF713C99FA9}" type="datetime1">
               <a:rPr lang="ko-KR" altLang="en-US" smtClean="0"/>
-              <a:t>2025-05-16</a:t>
+              <a:t>2025-06-08</a:t>
             </a:fld>
             <a:endParaRPr lang="ko-KR" altLang="en-US"/>
           </a:p>
@@ -6083,7 +5448,7 @@
           <a:p>
             <a:fld id="{0F78D9C4-20C1-4B15-A116-16DC77AD9A1E}" type="datetime1">
               <a:rPr lang="ko-KR" altLang="en-US" smtClean="0"/>
-              <a:t>2025-05-16</a:t>
+              <a:t>2025-06-08</a:t>
             </a:fld>
             <a:endParaRPr lang="ko-KR" altLang="en-US"/>
           </a:p>
@@ -6443,7 +5808,7 @@
           <a:p>
             <a:fld id="{0F78D9C4-20C1-4B15-A116-16DC77AD9A1E}" type="datetime1">
               <a:rPr lang="ko-KR" altLang="en-US" smtClean="0"/>
-              <a:t>2025-05-16</a:t>
+              <a:t>2025-06-08</a:t>
             </a:fld>
             <a:endParaRPr lang="ko-KR" altLang="en-US"/>
           </a:p>
@@ -6589,7 +5954,7 @@
           <a:p>
             <a:fld id="{0F78D9C4-20C1-4B15-A116-16DC77AD9A1E}" type="datetime1">
               <a:rPr lang="ko-KR" altLang="en-US" smtClean="0"/>
-              <a:t>2025-05-16</a:t>
+              <a:t>2025-06-08</a:t>
             </a:fld>
             <a:endParaRPr lang="ko-KR" altLang="en-US"/>
           </a:p>
@@ -7021,7 +6386,7 @@
           <a:p>
             <a:fld id="{0F78D9C4-20C1-4B15-A116-16DC77AD9A1E}" type="datetime1">
               <a:rPr lang="ko-KR" altLang="en-US" smtClean="0"/>
-              <a:t>2025-05-16</a:t>
+              <a:t>2025-06-08</a:t>
             </a:fld>
             <a:endParaRPr lang="ko-KR" altLang="en-US"/>
           </a:p>
@@ -7349,7 +6714,7 @@
           <a:p>
             <a:fld id="{0F78D9C4-20C1-4B15-A116-16DC77AD9A1E}" type="datetime1">
               <a:rPr lang="ko-KR" altLang="en-US" smtClean="0"/>
-              <a:t>2025-05-16</a:t>
+              <a:t>2025-06-08</a:t>
             </a:fld>
             <a:endParaRPr lang="ko-KR" altLang="en-US"/>
           </a:p>
@@ -7895,7 +7260,7 @@
           <a:p>
             <a:fld id="{0F78D9C4-20C1-4B15-A116-16DC77AD9A1E}" type="datetime1">
               <a:rPr lang="ko-KR" altLang="en-US" smtClean="0"/>
-              <a:t>2025-05-16</a:t>
+              <a:t>2025-06-08</a:t>
             </a:fld>
             <a:endParaRPr lang="ko-KR" altLang="en-US" dirty="0"/>
           </a:p>
@@ -8078,7 +7443,7 @@
           <a:p>
             <a:fld id="{0F78D9C4-20C1-4B15-A116-16DC77AD9A1E}" type="datetime1">
               <a:rPr lang="ko-KR" altLang="en-US" smtClean="0"/>
-              <a:t>2025-05-16</a:t>
+              <a:t>2025-06-08</a:t>
             </a:fld>
             <a:endParaRPr lang="ko-KR" altLang="en-US"/>
           </a:p>
@@ -8777,7 +8142,7 @@
           <a:p>
             <a:fld id="{0F78D9C4-20C1-4B15-A116-16DC77AD9A1E}" type="datetime1">
               <a:rPr lang="ko-KR" altLang="en-US" smtClean="0"/>
-              <a:t>2025-05-16</a:t>
+              <a:t>2025-06-08</a:t>
             </a:fld>
             <a:endParaRPr lang="ko-KR" altLang="en-US"/>
           </a:p>
@@ -8968,7 +8333,7 @@
           <a:p>
             <a:fld id="{0F78D9C4-20C1-4B15-A116-16DC77AD9A1E}" type="datetime1">
               <a:rPr lang="ko-KR" altLang="en-US" smtClean="0"/>
-              <a:t>2025-05-16</a:t>
+              <a:t>2025-06-08</a:t>
             </a:fld>
             <a:endParaRPr lang="ko-KR" altLang="en-US"/>
           </a:p>
@@ -9115,7 +8480,7 @@
           <a:p>
             <a:fld id="{0F78D9C4-20C1-4B15-A116-16DC77AD9A1E}" type="datetime1">
               <a:rPr lang="ko-KR" altLang="en-US" smtClean="0"/>
-              <a:t>2025-05-16</a:t>
+              <a:t>2025-06-08</a:t>
             </a:fld>
             <a:endParaRPr lang="ko-KR" altLang="en-US"/>
           </a:p>
@@ -9348,7 +8713,7 @@
           <a:p>
             <a:fld id="{0F78D9C4-20C1-4B15-A116-16DC77AD9A1E}" type="datetime1">
               <a:rPr lang="ko-KR" altLang="en-US" smtClean="0"/>
-              <a:t>2025-05-16</a:t>
+              <a:t>2025-06-08</a:t>
             </a:fld>
             <a:endParaRPr lang="ko-KR" altLang="en-US"/>
           </a:p>
@@ -10230,7 +9595,7 @@
           <a:p>
             <a:fld id="{0F78D9C4-20C1-4B15-A116-16DC77AD9A1E}" type="datetime1">
               <a:rPr lang="ko-KR" altLang="en-US" smtClean="0"/>
-              <a:t>2025-05-16</a:t>
+              <a:t>2025-06-08</a:t>
             </a:fld>
             <a:endParaRPr lang="ko-KR" altLang="en-US"/>
           </a:p>
